--- a/MSIT126期中專題.pptx
+++ b/MSIT126期中專題.pptx
@@ -111,6 +111,22 @@
       </a:defRPr>
     </a:lvl9pPr>
   </p:defaultTextStyle>
+  <p:extLst>
+    <p:ext uri="{EFAFB233-063F-42B5-8137-9DF3F51BA10A}">
+      <p15:sldGuideLst xmlns:p15="http://schemas.microsoft.com/office/powerpoint/2012/main">
+        <p15:guide id="1" orient="horz" pos="2160">
+          <p15:clr>
+            <a:srgbClr val="A4A3A4"/>
+          </p15:clr>
+        </p15:guide>
+        <p15:guide id="2" pos="2880">
+          <p15:clr>
+            <a:srgbClr val="A4A3A4"/>
+          </p15:clr>
+        </p15:guide>
+      </p15:sldGuideLst>
+    </p:ext>
+  </p:extLst>
 </p:presentation>
 </file>
 
@@ -296,7 +312,7 @@
             <a:fld id="{5BBEAD13-0566-4C6C-97E7-55F17F24B09F}" type="datetimeFigureOut">
               <a:rPr lang="zh-TW" altLang="en-US" smtClean="0"/>
               <a:pPr/>
-              <a:t>2020/4/9</a:t>
+              <a:t>2020/4/10</a:t>
             </a:fld>
             <a:endParaRPr lang="zh-TW" altLang="en-US"/>
           </a:p>
@@ -463,7 +479,7 @@
             <a:fld id="{5BBEAD13-0566-4C6C-97E7-55F17F24B09F}" type="datetimeFigureOut">
               <a:rPr lang="zh-TW" altLang="en-US" smtClean="0"/>
               <a:pPr/>
-              <a:t>2020/4/9</a:t>
+              <a:t>2020/4/10</a:t>
             </a:fld>
             <a:endParaRPr lang="zh-TW" altLang="en-US"/>
           </a:p>
@@ -640,7 +656,7 @@
             <a:fld id="{5BBEAD13-0566-4C6C-97E7-55F17F24B09F}" type="datetimeFigureOut">
               <a:rPr lang="zh-TW" altLang="en-US" smtClean="0"/>
               <a:pPr/>
-              <a:t>2020/4/9</a:t>
+              <a:t>2020/4/10</a:t>
             </a:fld>
             <a:endParaRPr lang="zh-TW" altLang="en-US"/>
           </a:p>
@@ -807,7 +823,7 @@
             <a:fld id="{5BBEAD13-0566-4C6C-97E7-55F17F24B09F}" type="datetimeFigureOut">
               <a:rPr lang="zh-TW" altLang="en-US" smtClean="0"/>
               <a:pPr/>
-              <a:t>2020/4/9</a:t>
+              <a:t>2020/4/10</a:t>
             </a:fld>
             <a:endParaRPr lang="zh-TW" altLang="en-US"/>
           </a:p>
@@ -1050,7 +1066,7 @@
             <a:fld id="{5BBEAD13-0566-4C6C-97E7-55F17F24B09F}" type="datetimeFigureOut">
               <a:rPr lang="zh-TW" altLang="en-US" smtClean="0"/>
               <a:pPr/>
-              <a:t>2020/4/9</a:t>
+              <a:t>2020/4/10</a:t>
             </a:fld>
             <a:endParaRPr lang="zh-TW" altLang="en-US"/>
           </a:p>
@@ -1335,7 +1351,7 @@
             <a:fld id="{5BBEAD13-0566-4C6C-97E7-55F17F24B09F}" type="datetimeFigureOut">
               <a:rPr lang="zh-TW" altLang="en-US" smtClean="0"/>
               <a:pPr/>
-              <a:t>2020/4/9</a:t>
+              <a:t>2020/4/10</a:t>
             </a:fld>
             <a:endParaRPr lang="zh-TW" altLang="en-US"/>
           </a:p>
@@ -1754,7 +1770,7 @@
             <a:fld id="{5BBEAD13-0566-4C6C-97E7-55F17F24B09F}" type="datetimeFigureOut">
               <a:rPr lang="zh-TW" altLang="en-US" smtClean="0"/>
               <a:pPr/>
-              <a:t>2020/4/9</a:t>
+              <a:t>2020/4/10</a:t>
             </a:fld>
             <a:endParaRPr lang="zh-TW" altLang="en-US"/>
           </a:p>
@@ -1869,7 +1885,7 @@
             <a:fld id="{5BBEAD13-0566-4C6C-97E7-55F17F24B09F}" type="datetimeFigureOut">
               <a:rPr lang="zh-TW" altLang="en-US" smtClean="0"/>
               <a:pPr/>
-              <a:t>2020/4/9</a:t>
+              <a:t>2020/4/10</a:t>
             </a:fld>
             <a:endParaRPr lang="zh-TW" altLang="en-US"/>
           </a:p>
@@ -1961,7 +1977,7 @@
             <a:fld id="{5BBEAD13-0566-4C6C-97E7-55F17F24B09F}" type="datetimeFigureOut">
               <a:rPr lang="zh-TW" altLang="en-US" smtClean="0"/>
               <a:pPr/>
-              <a:t>2020/4/9</a:t>
+              <a:t>2020/4/10</a:t>
             </a:fld>
             <a:endParaRPr lang="zh-TW" altLang="en-US"/>
           </a:p>
@@ -2235,7 +2251,7 @@
             <a:fld id="{5BBEAD13-0566-4C6C-97E7-55F17F24B09F}" type="datetimeFigureOut">
               <a:rPr lang="zh-TW" altLang="en-US" smtClean="0"/>
               <a:pPr/>
-              <a:t>2020/4/9</a:t>
+              <a:t>2020/4/10</a:t>
             </a:fld>
             <a:endParaRPr lang="zh-TW" altLang="en-US"/>
           </a:p>
@@ -2485,7 +2501,7 @@
             <a:fld id="{5BBEAD13-0566-4C6C-97E7-55F17F24B09F}" type="datetimeFigureOut">
               <a:rPr lang="zh-TW" altLang="en-US" smtClean="0"/>
               <a:pPr/>
-              <a:t>2020/4/9</a:t>
+              <a:t>2020/4/10</a:t>
             </a:fld>
             <a:endParaRPr lang="zh-TW" altLang="en-US"/>
           </a:p>
@@ -2710,7 +2726,7 @@
             <a:fld id="{5BBEAD13-0566-4C6C-97E7-55F17F24B09F}" type="datetimeFigureOut">
               <a:rPr lang="zh-TW" altLang="en-US" smtClean="0"/>
               <a:pPr/>
-              <a:t>2020/4/9</a:t>
+              <a:t>2020/4/10</a:t>
             </a:fld>
             <a:endParaRPr lang="zh-TW" altLang="en-US"/>
           </a:p>
@@ -3223,21 +3239,7 @@
                 <a:latin typeface="Arial Unicode MS" pitchFamily="34" charset="-120"/>
                 <a:ea typeface="微軟正黑體" pitchFamily="34" charset="-120"/>
               </a:rPr>
-              <a:t>發表</a:t>
-            </a:r>
-            <a:r>
-              <a:rPr lang="zh-TW" altLang="en-US" dirty="0" smtClean="0">
-                <a:latin typeface="Arial Unicode MS" pitchFamily="34" charset="-120"/>
-                <a:ea typeface="微軟正黑體" pitchFamily="34" charset="-120"/>
-              </a:rPr>
-              <a:t>日期及</a:t>
-            </a:r>
-            <a:r>
-              <a:rPr lang="zh-TW" altLang="en-US" dirty="0" smtClean="0">
-                <a:latin typeface="Arial Unicode MS" pitchFamily="34" charset="-120"/>
-                <a:ea typeface="微軟正黑體" pitchFamily="34" charset="-120"/>
-              </a:rPr>
-              <a:t>時間</a:t>
+              <a:t>發表日期及時間</a:t>
             </a:r>
             <a:endParaRPr lang="en-US" altLang="zh-TW" dirty="0" smtClean="0">
               <a:latin typeface="Arial Unicode MS" pitchFamily="34" charset="-120"/>
@@ -3352,14 +3354,7 @@
                 <a:latin typeface="Arial Unicode MS" pitchFamily="34" charset="-120"/>
                 <a:ea typeface="微軟正黑體" pitchFamily="34" charset="-120"/>
               </a:rPr>
-              <a:t>發表日期及</a:t>
-            </a:r>
-            <a:r>
-              <a:rPr lang="zh-TW" altLang="en-US" dirty="0" smtClean="0">
-                <a:latin typeface="Arial Unicode MS" pitchFamily="34" charset="-120"/>
-                <a:ea typeface="微軟正黑體" pitchFamily="34" charset="-120"/>
-              </a:rPr>
-              <a:t>時間</a:t>
+              <a:t>發表日期及時間</a:t>
             </a:r>
             <a:endParaRPr lang="zh-TW" altLang="en-US" dirty="0">
               <a:latin typeface="Arial Unicode MS" pitchFamily="34" charset="-120"/>
@@ -3695,28 +3690,14 @@
                 <a:latin typeface="Arial Unicode MS" pitchFamily="34" charset="-120"/>
                 <a:ea typeface="微軟正黑體" pitchFamily="34" charset="-120"/>
               </a:rPr>
-              <a:t>實際生活所能應用的系統</a:t>
-            </a:r>
-            <a:r>
-              <a:rPr lang="zh-TW" altLang="en-US" b="1" dirty="0" smtClean="0">
-                <a:latin typeface="Arial Unicode MS" pitchFamily="34" charset="-120"/>
-                <a:ea typeface="微軟正黑體" pitchFamily="34" charset="-120"/>
-              </a:rPr>
-              <a:t>」</a:t>
+              <a:t>實際生活所能應用的系統」</a:t>
             </a:r>
             <a:r>
               <a:rPr lang="zh-TW" altLang="en-US" dirty="0" smtClean="0">
                 <a:latin typeface="Arial Unicode MS" pitchFamily="34" charset="-120"/>
                 <a:ea typeface="微軟正黑體" pitchFamily="34" charset="-120"/>
               </a:rPr>
-              <a:t>作為出發點，自由</a:t>
-            </a:r>
-            <a:r>
-              <a:rPr lang="zh-TW" altLang="en-US" dirty="0" smtClean="0">
-                <a:latin typeface="Arial Unicode MS" pitchFamily="34" charset="-120"/>
-                <a:ea typeface="微軟正黑體" pitchFamily="34" charset="-120"/>
-              </a:rPr>
-              <a:t>發想</a:t>
+              <a:t>作為出發點，自由發想</a:t>
             </a:r>
             <a:endParaRPr lang="zh-TW" altLang="en-US" dirty="0">
               <a:latin typeface="Arial Unicode MS" pitchFamily="34" charset="-120"/>
@@ -3859,14 +3840,7 @@
                 <a:latin typeface="Arial Unicode MS" pitchFamily="34" charset="-120"/>
                 <a:ea typeface="微軟正黑體" pitchFamily="34" charset="-120"/>
               </a:rPr>
-              <a:t>2</a:t>
-            </a:r>
-            <a:r>
-              <a:rPr lang="en-US" altLang="zh-TW" b="1" dirty="0" smtClean="0">
-                <a:latin typeface="Arial Unicode MS" pitchFamily="34" charset="-120"/>
-                <a:ea typeface="微軟正黑體" pitchFamily="34" charset="-120"/>
-              </a:rPr>
-              <a:t>.</a:t>
+              <a:t>2.</a:t>
             </a:r>
             <a:r>
               <a:rPr lang="zh-TW" altLang="en-US" b="1" dirty="0" smtClean="0">
@@ -3888,70 +3862,35 @@
                 <a:latin typeface="Arial Unicode MS" pitchFamily="34" charset="-120"/>
                 <a:ea typeface="微軟正黑體" pitchFamily="34" charset="-120"/>
               </a:rPr>
-              <a:t>加</a:t>
+              <a:t>加分</a:t>
+            </a:r>
+            <a:r>
+              <a:rPr lang="en-US" altLang="zh-TW" dirty="0" smtClean="0">
+                <a:latin typeface="Arial Unicode MS" pitchFamily="34" charset="-120"/>
+                <a:ea typeface="微軟正黑體" pitchFamily="34" charset="-120"/>
+              </a:rPr>
+              <a:t>-</a:t>
             </a:r>
             <a:r>
               <a:rPr lang="zh-TW" altLang="en-US" dirty="0" smtClean="0">
                 <a:latin typeface="Arial Unicode MS" pitchFamily="34" charset="-120"/>
                 <a:ea typeface="微軟正黑體" pitchFamily="34" charset="-120"/>
               </a:rPr>
-              <a:t>分</a:t>
-            </a:r>
-            <a:r>
-              <a:rPr lang="en-US" altLang="zh-TW" dirty="0" smtClean="0">
-                <a:latin typeface="Arial Unicode MS" pitchFamily="34" charset="-120"/>
-                <a:ea typeface="微軟正黑體" pitchFamily="34" charset="-120"/>
-              </a:rPr>
-              <a:t>-</a:t>
+              <a:t>以其中專題的經驗來看，分享對期末專題的</a:t>
+            </a:r>
+            <a:r>
+              <a:rPr lang="zh-TW" altLang="en-US" b="1" dirty="0" smtClean="0">
+                <a:latin typeface="Arial Unicode MS" pitchFamily="34" charset="-120"/>
+                <a:ea typeface="微軟正黑體" pitchFamily="34" charset="-120"/>
+              </a:rPr>
+              <a:t>想法與期許</a:t>
             </a:r>
             <a:r>
               <a:rPr lang="zh-TW" altLang="en-US" dirty="0" smtClean="0">
                 <a:latin typeface="Arial Unicode MS" pitchFamily="34" charset="-120"/>
                 <a:ea typeface="微軟正黑體" pitchFamily="34" charset="-120"/>
               </a:rPr>
-              <a:t>以</a:t>
-            </a:r>
-            <a:r>
-              <a:rPr lang="zh-TW" altLang="en-US" dirty="0" smtClean="0">
-                <a:latin typeface="Arial Unicode MS" pitchFamily="34" charset="-120"/>
-                <a:ea typeface="微軟正黑體" pitchFamily="34" charset="-120"/>
-              </a:rPr>
-              <a:t>其中專題的經驗來看，分享對</a:t>
-            </a:r>
-            <a:r>
-              <a:rPr lang="zh-TW" altLang="en-US" dirty="0" smtClean="0">
-                <a:latin typeface="Arial Unicode MS" pitchFamily="34" charset="-120"/>
-                <a:ea typeface="微軟正黑體" pitchFamily="34" charset="-120"/>
-              </a:rPr>
-              <a:t>期末</a:t>
-            </a:r>
-            <a:r>
-              <a:rPr lang="zh-TW" altLang="en-US" dirty="0" smtClean="0">
-                <a:latin typeface="Arial Unicode MS" pitchFamily="34" charset="-120"/>
-                <a:ea typeface="微軟正黑體" pitchFamily="34" charset="-120"/>
-              </a:rPr>
-              <a:t>專題的</a:t>
-            </a:r>
-            <a:r>
-              <a:rPr lang="zh-TW" altLang="en-US" b="1" dirty="0" smtClean="0">
-                <a:latin typeface="Arial Unicode MS" pitchFamily="34" charset="-120"/>
-                <a:ea typeface="微軟正黑體" pitchFamily="34" charset="-120"/>
-              </a:rPr>
-              <a:t>想法與期許</a:t>
-            </a:r>
-            <a:r>
-              <a:rPr lang="zh-TW" altLang="en-US" dirty="0" smtClean="0">
-                <a:latin typeface="Arial Unicode MS" pitchFamily="34" charset="-120"/>
-                <a:ea typeface="微軟正黑體" pitchFamily="34" charset="-120"/>
-              </a:rPr>
-              <a:t>（主題、功能、</a:t>
-            </a:r>
-            <a:r>
-              <a:rPr lang="zh-TW" altLang="en-US" dirty="0" smtClean="0">
-                <a:latin typeface="Arial Unicode MS" pitchFamily="34" charset="-120"/>
-                <a:ea typeface="微軟正黑體" pitchFamily="34" charset="-120"/>
-              </a:rPr>
-              <a:t>技術等）</a:t>
+              <a:t>（主題、功能、技術等）</a:t>
             </a:r>
             <a:endParaRPr lang="zh-TW" altLang="en-US" dirty="0">
               <a:latin typeface="Arial Unicode MS" pitchFamily="34" charset="-120"/>
@@ -4170,41 +4109,41 @@
             </a:r>
             <a:r>
               <a:rPr lang="zh-TW" altLang="en-US" b="1" dirty="0" smtClean="0">
-                <a:latin typeface="Arial Unicode MS" pitchFamily="34" charset="-120"/>
+                <a:latin typeface="+mj-lt"/>
                 <a:ea typeface="微軟正黑體" pitchFamily="34" charset="-120"/>
               </a:rPr>
               <a:t>（</a:t>
             </a:r>
             <a:r>
               <a:rPr lang="en-US" altLang="zh-TW" b="1" dirty="0" err="1" smtClean="0">
-                <a:latin typeface="Arial Unicode MS" pitchFamily="34" charset="-120"/>
+                <a:latin typeface="+mj-lt"/>
                 <a:ea typeface="微軟正黑體" pitchFamily="34" charset="-120"/>
               </a:rPr>
               <a:t>localdb</a:t>
             </a:r>
             <a:r>
               <a:rPr lang="en-US" altLang="zh-TW" b="1" dirty="0" smtClean="0">
-                <a:latin typeface="Arial Unicode MS" pitchFamily="34" charset="-120"/>
+                <a:latin typeface="+mj-lt"/>
                 <a:ea typeface="微軟正黑體" pitchFamily="34" charset="-120"/>
               </a:rPr>
               <a:t> </a:t>
             </a:r>
             <a:r>
               <a:rPr lang="zh-TW" altLang="en-US" b="1" dirty="0" smtClean="0">
-                <a:latin typeface="Arial Unicode MS" pitchFamily="34" charset="-120"/>
+                <a:latin typeface="+mj-lt"/>
                 <a:ea typeface="微軟正黑體" pitchFamily="34" charset="-120"/>
               </a:rPr>
               <a:t>）</a:t>
             </a:r>
             <a:r>
               <a:rPr lang="en-US" altLang="zh-TW" b="1" dirty="0" smtClean="0">
-                <a:latin typeface="Arial Unicode MS" pitchFamily="34" charset="-120"/>
+                <a:latin typeface="+mj-lt"/>
                 <a:ea typeface="微軟正黑體" pitchFamily="34" charset="-120"/>
               </a:rPr>
               <a:t>\ProjectsV13</a:t>
             </a:r>
             <a:endParaRPr lang="zh-TW" altLang="en-US" b="1" dirty="0">
-              <a:latin typeface="Arial Unicode MS" pitchFamily="34" charset="-120"/>
+              <a:latin typeface="+mj-lt"/>
               <a:ea typeface="微軟正黑體" pitchFamily="34" charset="-120"/>
             </a:endParaRPr>
           </a:p>
